--- a/2013180003 김나단 4차발표 ppt.pptx
+++ b/2013180003 김나단 4차발표 ppt.pptx
@@ -104,6 +104,11 @@
       </a:defRPr>
     </a:lvl9pPr>
   </p:defaultTextStyle>
+  <p:extLst>
+    <p:ext uri="{EFAFB233-063F-42B5-8137-9DF3F51BA10A}">
+      <p15:sldGuideLst xmlns:p15="http://schemas.microsoft.com/office/powerpoint/2012/main"/>
+    </p:ext>
+  </p:extLst>
 </p:presentation>
 </file>
 
@@ -152,7 +157,6 @@
               <a:rPr lang="ko-KR" altLang="en-US"/>
               <a:t>마스터 제목 스타일 편집</a:t>
             </a:r>
-            <a:endParaRPr lang="ko-KR" altLang="en-US"/>
           </a:p>
         </p:txBody>
       </p:sp>
@@ -217,7 +221,6 @@
               <a:rPr lang="ko-KR" altLang="en-US"/>
               <a:t>클릭하여 마스터 부제목 스타일 편집</a:t>
             </a:r>
-            <a:endParaRPr lang="ko-KR" altLang="en-US"/>
           </a:p>
         </p:txBody>
       </p:sp>
@@ -238,7 +241,7 @@
           <a:p>
             <a:fld id="{1D841284-AFCD-4E52-B4B3-660525B51216}" type="datetimeFigureOut">
               <a:rPr lang="ko-KR" altLang="en-US" smtClean="0"/>
-              <a:t>2016-12-15</a:t>
+              <a:t>2016-12-19</a:t>
             </a:fld>
             <a:endParaRPr lang="ko-KR" altLang="en-US"/>
           </a:p>
@@ -335,7 +338,6 @@
               <a:rPr lang="ko-KR" altLang="en-US"/>
               <a:t>마스터 제목 스타일 편집</a:t>
             </a:r>
-            <a:endParaRPr lang="ko-KR" altLang="en-US"/>
           </a:p>
         </p:txBody>
       </p:sp>
@@ -387,7 +389,6 @@
               <a:rPr lang="ko-KR" altLang="en-US"/>
               <a:t>다섯째 수준</a:t>
             </a:r>
-            <a:endParaRPr lang="ko-KR" altLang="en-US"/>
           </a:p>
         </p:txBody>
       </p:sp>
@@ -408,7 +409,7 @@
           <a:p>
             <a:fld id="{1D841284-AFCD-4E52-B4B3-660525B51216}" type="datetimeFigureOut">
               <a:rPr lang="ko-KR" altLang="en-US" smtClean="0"/>
-              <a:t>2016-12-15</a:t>
+              <a:t>2016-12-19</a:t>
             </a:fld>
             <a:endParaRPr lang="ko-KR" altLang="en-US"/>
           </a:p>
@@ -510,7 +511,6 @@
               <a:rPr lang="ko-KR" altLang="en-US"/>
               <a:t>마스터 제목 스타일 편집</a:t>
             </a:r>
-            <a:endParaRPr lang="ko-KR" altLang="en-US"/>
           </a:p>
         </p:txBody>
       </p:sp>
@@ -567,7 +567,6 @@
               <a:rPr lang="ko-KR" altLang="en-US"/>
               <a:t>다섯째 수준</a:t>
             </a:r>
-            <a:endParaRPr lang="ko-KR" altLang="en-US"/>
           </a:p>
         </p:txBody>
       </p:sp>
@@ -588,7 +587,7 @@
           <a:p>
             <a:fld id="{1D841284-AFCD-4E52-B4B3-660525B51216}" type="datetimeFigureOut">
               <a:rPr lang="ko-KR" altLang="en-US" smtClean="0"/>
-              <a:t>2016-12-15</a:t>
+              <a:t>2016-12-19</a:t>
             </a:fld>
             <a:endParaRPr lang="ko-KR" altLang="en-US"/>
           </a:p>
@@ -685,7 +684,6 @@
               <a:rPr lang="ko-KR" altLang="en-US"/>
               <a:t>마스터 제목 스타일 편집</a:t>
             </a:r>
-            <a:endParaRPr lang="ko-KR" altLang="en-US"/>
           </a:p>
         </p:txBody>
       </p:sp>
@@ -737,7 +735,6 @@
               <a:rPr lang="ko-KR" altLang="en-US"/>
               <a:t>다섯째 수준</a:t>
             </a:r>
-            <a:endParaRPr lang="ko-KR" altLang="en-US"/>
           </a:p>
         </p:txBody>
       </p:sp>
@@ -758,7 +755,7 @@
           <a:p>
             <a:fld id="{1D841284-AFCD-4E52-B4B3-660525B51216}" type="datetimeFigureOut">
               <a:rPr lang="ko-KR" altLang="en-US" smtClean="0"/>
-              <a:t>2016-12-15</a:t>
+              <a:t>2016-12-19</a:t>
             </a:fld>
             <a:endParaRPr lang="ko-KR" altLang="en-US"/>
           </a:p>
@@ -864,7 +861,6 @@
               <a:rPr lang="ko-KR" altLang="en-US"/>
               <a:t>마스터 제목 스타일 편집</a:t>
             </a:r>
-            <a:endParaRPr lang="ko-KR" altLang="en-US"/>
           </a:p>
         </p:txBody>
       </p:sp>
@@ -1004,7 +1000,7 @@
           <a:p>
             <a:fld id="{1D841284-AFCD-4E52-B4B3-660525B51216}" type="datetimeFigureOut">
               <a:rPr lang="ko-KR" altLang="en-US" smtClean="0"/>
-              <a:t>2016-12-15</a:t>
+              <a:t>2016-12-19</a:t>
             </a:fld>
             <a:endParaRPr lang="ko-KR" altLang="en-US"/>
           </a:p>
@@ -1101,7 +1097,6 @@
               <a:rPr lang="ko-KR" altLang="en-US"/>
               <a:t>마스터 제목 스타일 편집</a:t>
             </a:r>
-            <a:endParaRPr lang="ko-KR" altLang="en-US"/>
           </a:p>
         </p:txBody>
       </p:sp>
@@ -1158,7 +1153,6 @@
               <a:rPr lang="ko-KR" altLang="en-US"/>
               <a:t>다섯째 수준</a:t>
             </a:r>
-            <a:endParaRPr lang="ko-KR" altLang="en-US"/>
           </a:p>
         </p:txBody>
       </p:sp>
@@ -1215,7 +1209,6 @@
               <a:rPr lang="ko-KR" altLang="en-US"/>
               <a:t>다섯째 수준</a:t>
             </a:r>
-            <a:endParaRPr lang="ko-KR" altLang="en-US"/>
           </a:p>
         </p:txBody>
       </p:sp>
@@ -1236,7 +1229,7 @@
           <a:p>
             <a:fld id="{1D841284-AFCD-4E52-B4B3-660525B51216}" type="datetimeFigureOut">
               <a:rPr lang="ko-KR" altLang="en-US" smtClean="0"/>
-              <a:t>2016-12-15</a:t>
+              <a:t>2016-12-19</a:t>
             </a:fld>
             <a:endParaRPr lang="ko-KR" altLang="en-US"/>
           </a:p>
@@ -1338,7 +1331,6 @@
               <a:rPr lang="ko-KR" altLang="en-US"/>
               <a:t>마스터 제목 스타일 편집</a:t>
             </a:r>
-            <a:endParaRPr lang="ko-KR" altLang="en-US"/>
           </a:p>
         </p:txBody>
       </p:sp>
@@ -1460,7 +1452,6 @@
               <a:rPr lang="ko-KR" altLang="en-US"/>
               <a:t>다섯째 수준</a:t>
             </a:r>
-            <a:endParaRPr lang="ko-KR" altLang="en-US"/>
           </a:p>
         </p:txBody>
       </p:sp>
@@ -1582,7 +1573,6 @@
               <a:rPr lang="ko-KR" altLang="en-US"/>
               <a:t>다섯째 수준</a:t>
             </a:r>
-            <a:endParaRPr lang="ko-KR" altLang="en-US"/>
           </a:p>
         </p:txBody>
       </p:sp>
@@ -1603,7 +1593,7 @@
           <a:p>
             <a:fld id="{1D841284-AFCD-4E52-B4B3-660525B51216}" type="datetimeFigureOut">
               <a:rPr lang="ko-KR" altLang="en-US" smtClean="0"/>
-              <a:t>2016-12-15</a:t>
+              <a:t>2016-12-19</a:t>
             </a:fld>
             <a:endParaRPr lang="ko-KR" altLang="en-US"/>
           </a:p>
@@ -1700,7 +1690,6 @@
               <a:rPr lang="ko-KR" altLang="en-US"/>
               <a:t>마스터 제목 스타일 편집</a:t>
             </a:r>
-            <a:endParaRPr lang="ko-KR" altLang="en-US"/>
           </a:p>
         </p:txBody>
       </p:sp>
@@ -1721,7 +1710,7 @@
           <a:p>
             <a:fld id="{1D841284-AFCD-4E52-B4B3-660525B51216}" type="datetimeFigureOut">
               <a:rPr lang="ko-KR" altLang="en-US" smtClean="0"/>
-              <a:t>2016-12-15</a:t>
+              <a:t>2016-12-19</a:t>
             </a:fld>
             <a:endParaRPr lang="ko-KR" altLang="en-US"/>
           </a:p>
@@ -1816,7 +1805,7 @@
           <a:p>
             <a:fld id="{1D841284-AFCD-4E52-B4B3-660525B51216}" type="datetimeFigureOut">
               <a:rPr lang="ko-KR" altLang="en-US" smtClean="0"/>
-              <a:t>2016-12-15</a:t>
+              <a:t>2016-12-19</a:t>
             </a:fld>
             <a:endParaRPr lang="ko-KR" altLang="en-US"/>
           </a:p>
@@ -1922,7 +1911,6 @@
               <a:rPr lang="ko-KR" altLang="en-US"/>
               <a:t>마스터 제목 스타일 편집</a:t>
             </a:r>
-            <a:endParaRPr lang="ko-KR" altLang="en-US"/>
           </a:p>
         </p:txBody>
       </p:sp>
@@ -2007,7 +1995,6 @@
               <a:rPr lang="ko-KR" altLang="en-US"/>
               <a:t>다섯째 수준</a:t>
             </a:r>
-            <a:endParaRPr lang="ko-KR" altLang="en-US"/>
           </a:p>
         </p:txBody>
       </p:sp>
@@ -2093,7 +2080,7 @@
           <a:p>
             <a:fld id="{1D841284-AFCD-4E52-B4B3-660525B51216}" type="datetimeFigureOut">
               <a:rPr lang="ko-KR" altLang="en-US" smtClean="0"/>
-              <a:t>2016-12-15</a:t>
+              <a:t>2016-12-19</a:t>
             </a:fld>
             <a:endParaRPr lang="ko-KR" altLang="en-US"/>
           </a:p>
@@ -2199,7 +2186,6 @@
               <a:rPr lang="ko-KR" altLang="en-US"/>
               <a:t>마스터 제목 스타일 편집</a:t>
             </a:r>
-            <a:endParaRPr lang="ko-KR" altLang="en-US"/>
           </a:p>
         </p:txBody>
       </p:sp>
@@ -2346,7 +2332,7 @@
           <a:p>
             <a:fld id="{1D841284-AFCD-4E52-B4B3-660525B51216}" type="datetimeFigureOut">
               <a:rPr lang="ko-KR" altLang="en-US" smtClean="0"/>
-              <a:t>2016-12-15</a:t>
+              <a:t>2016-12-19</a:t>
             </a:fld>
             <a:endParaRPr lang="ko-KR" altLang="en-US"/>
           </a:p>
@@ -2458,7 +2444,6 @@
               <a:rPr lang="ko-KR" altLang="en-US"/>
               <a:t>마스터 제목 스타일 편집</a:t>
             </a:r>
-            <a:endParaRPr lang="ko-KR" altLang="en-US"/>
           </a:p>
         </p:txBody>
       </p:sp>
@@ -2520,7 +2505,6 @@
               <a:rPr lang="ko-KR" altLang="en-US"/>
               <a:t>다섯째 수준</a:t>
             </a:r>
-            <a:endParaRPr lang="ko-KR" altLang="en-US"/>
           </a:p>
         </p:txBody>
       </p:sp>
@@ -2559,7 +2543,7 @@
           <a:p>
             <a:fld id="{1D841284-AFCD-4E52-B4B3-660525B51216}" type="datetimeFigureOut">
               <a:rPr lang="ko-KR" altLang="en-US" smtClean="0"/>
-              <a:t>2016-12-15</a:t>
+              <a:t>2016-12-19</a:t>
             </a:fld>
             <a:endParaRPr lang="ko-KR" altLang="en-US"/>
           </a:p>
@@ -2972,7 +2956,11 @@
           </p:cNvGraphicFramePr>
           <p:nvPr>
             <p:ph idx="1"/>
-            <p:extLst/>
+            <p:extLst>
+              <p:ext uri="{D42A27DB-BD31-4B8C-83A1-F6EECF244321}">
+                <p14:modId xmlns:p14="http://schemas.microsoft.com/office/powerpoint/2010/main" val="3439582560"/>
+              </p:ext>
+            </p:extLst>
           </p:nvPr>
         </p:nvGraphicFramePr>
         <p:xfrm>
@@ -3742,13 +3730,14 @@
                         <a:t>,  </a:t>
                       </a:r>
                       <a:r>
-                        <a:rPr lang="ko-KR" altLang="en-US" sz="1050"/>
-                        <a:t>방울 생성 </a:t>
-                      </a:r>
-                      <a:r>
                         <a:rPr lang="ko-KR" altLang="en-US" sz="1050" dirty="0"/>
-                        <a:t>오브젝트 제작 필</a:t>
-                      </a:r>
+                        <a:t>방울 생성 오브젝트 제작</a:t>
+                      </a:r>
+                      <a:r>
+                        <a:rPr lang="ko-KR" altLang="en-US" sz="1050" baseline="0" dirty="0"/>
+                        <a:t> 완료</a:t>
+                      </a:r>
+                      <a:endParaRPr lang="ko-KR" altLang="en-US" sz="1050" dirty="0"/>
                     </a:p>
                   </a:txBody>
                   <a:tcPr/>
@@ -3945,24 +3934,48 @@
                       </a:r>
                       <a:r>
                         <a:rPr lang="ko-KR" altLang="en-US" sz="1050" baseline="0" dirty="0"/>
-                        <a:t>성공에 따른 엔딩 애니메이션 설정</a:t>
-                      </a:r>
-                      <a:endParaRPr lang="en-US" altLang="ko-KR" sz="1050" baseline="0" dirty="0"/>
+                        <a:t>성공에 따른 엔딩 </a:t>
+                      </a:r>
+                      <a:r>
+                        <a:rPr lang="ko-KR" altLang="en-US" sz="1050" strike="sngStrike" baseline="0" dirty="0">
+                          <a:solidFill>
+                            <a:srgbClr val="FF0000"/>
+                          </a:solidFill>
+                        </a:rPr>
+                        <a:t>애니메이션 설정</a:t>
+                      </a:r>
+                      <a:endParaRPr lang="en-US" altLang="ko-KR" sz="1050" strike="sngStrike" baseline="0" dirty="0">
+                        <a:solidFill>
+                          <a:srgbClr val="FF0000"/>
+                        </a:solidFill>
+                      </a:endParaRPr>
                     </a:p>
                     <a:p>
                       <a:pPr marL="228600" indent="-228600" latinLnBrk="1">
                         <a:buAutoNum type="arabicPeriod"/>
                       </a:pPr>
                       <a:r>
-                        <a:rPr lang="ko-KR" altLang="en-US" sz="1050" dirty="0"/>
+                        <a:rPr lang="ko-KR" altLang="en-US" sz="1050" strike="sngStrike" dirty="0">
+                          <a:solidFill>
+                            <a:srgbClr val="FF0000"/>
+                          </a:solidFill>
+                        </a:rPr>
                         <a:t>엔딩 </a:t>
                       </a:r>
                       <a:r>
-                        <a:rPr lang="ko-KR" altLang="en-US" sz="1050" dirty="0" err="1"/>
+                        <a:rPr lang="ko-KR" altLang="en-US" sz="1050" strike="sngStrike" dirty="0" err="1">
+                          <a:solidFill>
+                            <a:srgbClr val="FF0000"/>
+                          </a:solidFill>
+                        </a:rPr>
                         <a:t>에니메이션</a:t>
                       </a:r>
                       <a:r>
-                        <a:rPr lang="ko-KR" altLang="en-US" sz="1050" dirty="0"/>
+                        <a:rPr lang="ko-KR" altLang="en-US" sz="1050" strike="sngStrike" dirty="0">
+                          <a:solidFill>
+                            <a:srgbClr val="FF0000"/>
+                          </a:solidFill>
+                        </a:rPr>
                         <a:t> 이후 점수 합산 화면 출력</a:t>
                       </a:r>
                     </a:p>
@@ -3998,6 +4011,16 @@
                       <a:r>
                         <a:rPr lang="ko-KR" altLang="en-US" sz="1050" dirty="0"/>
                         <a:t>하도록 변경</a:t>
+                      </a:r>
+                      <a:endParaRPr lang="en-US" altLang="ko-KR" sz="1050" dirty="0"/>
+                    </a:p>
+                    <a:p>
+                      <a:pPr marL="228600" indent="-228600" latinLnBrk="1">
+                        <a:buAutoNum type="arabicPeriod"/>
+                      </a:pPr>
+                      <a:r>
+                        <a:rPr lang="ko-KR" altLang="en-US" sz="1050" dirty="0"/>
+                        <a:t>클리어 시 클리어 축하 문구만 나오도록 함</a:t>
                       </a:r>
                       <a:endParaRPr lang="en-US" altLang="ko-KR" sz="1050" dirty="0"/>
                     </a:p>
@@ -4067,7 +4090,10 @@
                     <a:lstStyle/>
                     <a:p>
                       <a:pPr latinLnBrk="1"/>
-                      <a:endParaRPr lang="ko-KR" altLang="en-US" sz="1050" dirty="0"/>
+                      <a:r>
+                        <a:rPr lang="ko-KR" altLang="en-US" sz="1050" dirty="0"/>
+                        <a:t>완료</a:t>
+                      </a:r>
                     </a:p>
                   </a:txBody>
                   <a:tcPr/>
